--- a/Presentation/JAA.pptx
+++ b/Presentation/JAA.pptx
@@ -5,10 +5,10 @@
     <p:sldMasterId id="2147483660" r:id="rId1"/>
   </p:sldMasterIdLst>
   <p:notesMasterIdLst>
-    <p:notesMasterId r:id="rId25"/>
+    <p:notesMasterId r:id="rId26"/>
   </p:notesMasterIdLst>
   <p:handoutMasterIdLst>
-    <p:handoutMasterId r:id="rId26"/>
+    <p:handoutMasterId r:id="rId27"/>
   </p:handoutMasterIdLst>
   <p:sldIdLst>
     <p:sldId id="256" r:id="rId2"/>
@@ -30,32 +30,33 @@
     <p:sldId id="265" r:id="rId18"/>
     <p:sldId id="267" r:id="rId19"/>
     <p:sldId id="292" r:id="rId20"/>
-    <p:sldId id="294" r:id="rId21"/>
-    <p:sldId id="293" r:id="rId22"/>
-    <p:sldId id="269" r:id="rId23"/>
-    <p:sldId id="278" r:id="rId24"/>
+    <p:sldId id="295" r:id="rId21"/>
+    <p:sldId id="294" r:id="rId22"/>
+    <p:sldId id="293" r:id="rId23"/>
+    <p:sldId id="269" r:id="rId24"/>
+    <p:sldId id="278" r:id="rId25"/>
   </p:sldIdLst>
   <p:sldSz cx="9144000" cy="5143500" type="screen16x9"/>
   <p:notesSz cx="6858000" cy="9144000"/>
   <p:embeddedFontLst>
     <p:embeddedFont>
       <p:font typeface="Montserrat Light" panose="020B0604020202020204" charset="0"/>
-      <p:regular r:id="rId27"/>
-      <p:bold r:id="rId28"/>
-      <p:italic r:id="rId29"/>
-      <p:boldItalic r:id="rId30"/>
+      <p:regular r:id="rId28"/>
+      <p:bold r:id="rId29"/>
+      <p:italic r:id="rId30"/>
+      <p:boldItalic r:id="rId31"/>
+    </p:embeddedFont>
+    <p:embeddedFont>
+      <p:font typeface="Montserrat ExtraBold" panose="020B0604020202020204" charset="0"/>
+      <p:bold r:id="rId32"/>
+      <p:boldItalic r:id="rId33"/>
     </p:embeddedFont>
     <p:embeddedFont>
       <p:font typeface="Montserrat" panose="020B0604020202020204" charset="0"/>
-      <p:regular r:id="rId31"/>
-      <p:bold r:id="rId32"/>
-      <p:italic r:id="rId33"/>
-      <p:boldItalic r:id="rId34"/>
-    </p:embeddedFont>
-    <p:embeddedFont>
-      <p:font typeface="Montserrat ExtraBold" panose="020B0604020202020204" charset="0"/>
+      <p:regular r:id="rId34"/>
       <p:bold r:id="rId35"/>
-      <p:boldItalic r:id="rId36"/>
+      <p:italic r:id="rId36"/>
+      <p:boldItalic r:id="rId37"/>
     </p:embeddedFont>
   </p:embeddedFontLst>
   <p:defaultTextStyle>
@@ -52066,6 +52067,147 @@
           <a:bodyPr/>
           <a:lstStyle/>
           <a:p>
+            <a:endParaRPr lang="en-US"/>
+          </a:p>
+        </p:txBody>
+      </p:sp>
+      <p:sp>
+        <p:nvSpPr>
+          <p:cNvPr id="3" name="Slide Number Placeholder 2"/>
+          <p:cNvSpPr>
+            <a:spLocks noGrp="1"/>
+          </p:cNvSpPr>
+          <p:nvPr>
+            <p:ph type="sldNum" idx="12"/>
+          </p:nvPr>
+        </p:nvSpPr>
+        <p:spPr/>
+        <p:txBody>
+          <a:bodyPr/>
+          <a:lstStyle/>
+          <a:p>
+            <a:pPr marL="0" lvl="0" indent="0">
+              <a:spcBef>
+                <a:spcPts val="0"/>
+              </a:spcBef>
+              <a:spcAft>
+                <a:spcPts val="0"/>
+              </a:spcAft>
+              <a:buNone/>
+            </a:pPr>
+            <a:fld id="{00000000-1234-1234-1234-123412341234}" type="slidenum">
+              <a:rPr lang="en" smtClean="0"/>
+              <a:t>20</a:t>
+            </a:fld>
+            <a:endParaRPr lang="en"/>
+          </a:p>
+        </p:txBody>
+      </p:sp>
+      <p:pic>
+        <p:nvPicPr>
+          <p:cNvPr id="4" name="Picture 3"/>
+          <p:cNvPicPr>
+            <a:picLocks noChangeAspect="1"/>
+          </p:cNvPicPr>
+          <p:nvPr/>
+        </p:nvPicPr>
+        <p:blipFill>
+          <a:blip r:embed="rId2">
+            <a:extLst>
+              <a:ext uri="{28A0092B-C50C-407E-A947-70E740481C1C}">
+                <a14:useLocalDpi xmlns:a14="http://schemas.microsoft.com/office/drawing/2010/main" val="0"/>
+              </a:ext>
+            </a:extLst>
+          </a:blip>
+          <a:stretch>
+            <a:fillRect/>
+          </a:stretch>
+        </p:blipFill>
+        <p:spPr>
+          <a:xfrm>
+            <a:off x="0" y="0"/>
+            <a:ext cx="4098360" cy="5143500"/>
+          </a:xfrm>
+          <a:prstGeom prst="rect">
+            <a:avLst/>
+          </a:prstGeom>
+        </p:spPr>
+      </p:pic>
+      <p:pic>
+        <p:nvPicPr>
+          <p:cNvPr id="5" name="Picture 4"/>
+          <p:cNvPicPr>
+            <a:picLocks noChangeAspect="1"/>
+          </p:cNvPicPr>
+          <p:nvPr/>
+        </p:nvPicPr>
+        <p:blipFill>
+          <a:blip r:embed="rId3">
+            <a:extLst>
+              <a:ext uri="{28A0092B-C50C-407E-A947-70E740481C1C}">
+                <a14:useLocalDpi xmlns:a14="http://schemas.microsoft.com/office/drawing/2010/main" val="0"/>
+              </a:ext>
+            </a:extLst>
+          </a:blip>
+          <a:stretch>
+            <a:fillRect/>
+          </a:stretch>
+        </p:blipFill>
+        <p:spPr>
+          <a:xfrm>
+            <a:off x="5068780" y="1895440"/>
+            <a:ext cx="3552825" cy="1190625"/>
+          </a:xfrm>
+          <a:prstGeom prst="rect">
+            <a:avLst/>
+          </a:prstGeom>
+        </p:spPr>
+      </p:pic>
+    </p:spTree>
+    <p:extLst>
+      <p:ext uri="{BB962C8B-B14F-4D97-AF65-F5344CB8AC3E}">
+        <p14:creationId xmlns:p14="http://schemas.microsoft.com/office/powerpoint/2010/main" val="1184229858"/>
+      </p:ext>
+    </p:extLst>
+  </p:cSld>
+  <p:clrMapOvr>
+    <a:masterClrMapping/>
+  </p:clrMapOvr>
+</p:sld>
+</file>
+
+<file path=ppt/slides/slide21.xml><?xml version="1.0" encoding="utf-8"?>
+<p:sld xmlns:a="http://schemas.openxmlformats.org/drawingml/2006/main" xmlns:r="http://schemas.openxmlformats.org/officeDocument/2006/relationships" xmlns:p="http://schemas.openxmlformats.org/presentationml/2006/main">
+  <p:cSld>
+    <p:spTree>
+      <p:nvGrpSpPr>
+        <p:cNvPr id="1" name=""/>
+        <p:cNvGrpSpPr/>
+        <p:nvPr/>
+      </p:nvGrpSpPr>
+      <p:grpSpPr>
+        <a:xfrm>
+          <a:off x="0" y="0"/>
+          <a:ext cx="0" cy="0"/>
+          <a:chOff x="0" y="0"/>
+          <a:chExt cx="0" cy="0"/>
+        </a:xfrm>
+      </p:grpSpPr>
+      <p:sp>
+        <p:nvSpPr>
+          <p:cNvPr id="2" name="Text Placeholder 1"/>
+          <p:cNvSpPr>
+            <a:spLocks noGrp="1"/>
+          </p:cNvSpPr>
+          <p:nvPr>
+            <p:ph type="body" idx="1"/>
+          </p:nvPr>
+        </p:nvSpPr>
+        <p:spPr/>
+        <p:txBody>
+          <a:bodyPr/>
+          <a:lstStyle/>
+          <a:p>
             <a:r>
               <a:rPr lang="en-US" dirty="0" smtClean="0"/>
               <a:t>Synthesis and Verilog</a:t>
@@ -52100,7 +52242,7 @@
             </a:pPr>
             <a:fld id="{00000000-1234-1234-1234-123412341234}" type="slidenum">
               <a:rPr lang="en" smtClean="0"/>
-              <a:t>20</a:t>
+              <a:t>21</a:t>
             </a:fld>
             <a:endParaRPr lang="en"/>
           </a:p>
@@ -52179,7 +52321,7 @@
 </p:sld>
 </file>
 
-<file path=ppt/slides/slide21.xml><?xml version="1.0" encoding="utf-8"?>
+<file path=ppt/slides/slide22.xml><?xml version="1.0" encoding="utf-8"?>
 <p:sld xmlns:a="http://schemas.openxmlformats.org/drawingml/2006/main" xmlns:r="http://schemas.openxmlformats.org/officeDocument/2006/relationships" xmlns:p="http://schemas.openxmlformats.org/presentationml/2006/main">
   <p:cSld>
     <p:spTree>
@@ -52232,7 +52374,7 @@
             </a:pPr>
             <a:fld id="{00000000-1234-1234-1234-123412341234}" type="slidenum">
               <a:rPr lang="en"/>
-              <a:t>21</a:t>
+              <a:t>22</a:t>
             </a:fld>
             <a:endParaRPr/>
           </a:p>
@@ -52328,7 +52470,7 @@
 </p:sld>
 </file>
 
-<file path=ppt/slides/slide22.xml><?xml version="1.0" encoding="utf-8"?>
+<file path=ppt/slides/slide23.xml><?xml version="1.0" encoding="utf-8"?>
 <p:sld xmlns:a="http://schemas.openxmlformats.org/drawingml/2006/main" xmlns:r="http://schemas.openxmlformats.org/officeDocument/2006/relationships" xmlns:p="http://schemas.openxmlformats.org/presentationml/2006/main">
   <p:cSld>
     <p:spTree>
@@ -52423,7 +52565,7 @@
             </a:pPr>
             <a:fld id="{00000000-1234-1234-1234-123412341234}" type="slidenum">
               <a:rPr lang="en"/>
-              <a:t>22</a:t>
+              <a:t>23</a:t>
             </a:fld>
             <a:endParaRPr/>
           </a:p>
@@ -52504,7 +52646,7 @@
 </p:sld>
 </file>
 
-<file path=ppt/slides/slide23.xml><?xml version="1.0" encoding="utf-8"?>
+<file path=ppt/slides/slide24.xml><?xml version="1.0" encoding="utf-8"?>
 <p:sld xmlns:a="http://schemas.openxmlformats.org/drawingml/2006/main" xmlns:r="http://schemas.openxmlformats.org/officeDocument/2006/relationships" xmlns:p="http://schemas.openxmlformats.org/presentationml/2006/main">
   <p:cSld>
     <p:spTree>
@@ -52557,7 +52699,7 @@
             </a:pPr>
             <a:fld id="{00000000-1234-1234-1234-123412341234}" type="slidenum">
               <a:rPr lang="en"/>
-              <a:t>23</a:t>
+              <a:t>24</a:t>
             </a:fld>
             <a:endParaRPr/>
           </a:p>
